--- a/rdt pre.pptx
+++ b/rdt pre.pptx
@@ -6015,7 +6015,6 @@
               <a:rPr lang="en-US" altLang="zh-CN" dirty="0"/>
               <a:t>duplicate ACKs</a:t>
             </a:r>
-            <a:endParaRPr lang="en-US" altLang="zh-CN" dirty="0"/>
           </a:p>
         </p:txBody>
       </p:sp>
@@ -6839,14 +6838,14 @@
             <p:ph idx="1"/>
             <p:extLst>
               <p:ext uri="{D42A27DB-BD31-4B8C-83A1-F6EECF244321}">
-                <p14:modId xmlns:p14="http://schemas.microsoft.com/office/powerpoint/2010/main" val="3067364895"/>
+                <p14:modId xmlns:p14="http://schemas.microsoft.com/office/powerpoint/2010/main" val="2038458381"/>
               </p:ext>
             </p:extLst>
           </p:nvPr>
         </p:nvGraphicFramePr>
         <p:xfrm>
           <a:off x="1069975" y="2120900"/>
-          <a:ext cx="10058401" cy="3708400"/>
+          <a:ext cx="10058401" cy="1483360"/>
         </p:xfrm>
         <a:graphic>
           <a:graphicData uri="http://schemas.openxmlformats.org/drawingml/2006/table">
@@ -6855,21 +6854,21 @@
                 <a:tableStyleId>{5C22544A-7EE6-4342-B048-85BDC9FD1C3A}</a:tableStyleId>
               </a:tblPr>
               <a:tblGrid>
-                <a:gridCol w="2120486">
+                <a:gridCol w="2269573">
                   <a:extLst>
                     <a:ext uri="{9D8B030D-6E8A-4147-A177-3AD203B41FA5}">
                       <a16:colId xmlns:a16="http://schemas.microsoft.com/office/drawing/2014/main" val="96752436"/>
                     </a:ext>
                   </a:extLst>
                 </a:gridCol>
-                <a:gridCol w="1133061">
+                <a:gridCol w="1053548">
                   <a:extLst>
                     <a:ext uri="{9D8B030D-6E8A-4147-A177-3AD203B41FA5}">
                       <a16:colId xmlns:a16="http://schemas.microsoft.com/office/drawing/2014/main" val="3716784092"/>
                     </a:ext>
                   </a:extLst>
                 </a:gridCol>
-                <a:gridCol w="1212574">
+                <a:gridCol w="1143000">
                   <a:extLst>
                     <a:ext uri="{9D8B030D-6E8A-4147-A177-3AD203B41FA5}">
                       <a16:colId xmlns:a16="http://schemas.microsoft.com/office/drawing/2014/main" val="316309313"/>
@@ -6883,14 +6882,14 @@
                     </a:ext>
                   </a:extLst>
                 </a:gridCol>
-                <a:gridCol w="1530626">
+                <a:gridCol w="1381539">
                   <a:extLst>
                     <a:ext uri="{9D8B030D-6E8A-4147-A177-3AD203B41FA5}">
                       <a16:colId xmlns:a16="http://schemas.microsoft.com/office/drawing/2014/main" val="3379907480"/>
                     </a:ext>
                   </a:extLst>
                 </a:gridCol>
-                <a:gridCol w="1480931">
+                <a:gridCol w="1630018">
                   <a:extLst>
                     <a:ext uri="{9D8B030D-6E8A-4147-A177-3AD203B41FA5}">
                       <a16:colId xmlns:a16="http://schemas.microsoft.com/office/drawing/2014/main" val="4221878880"/>
@@ -7130,7 +7129,7 @@
                     <a:p>
                       <a:r>
                         <a:rPr lang="en-US" altLang="zh-CN" dirty="0" smtClean="0"/>
-                        <a:t>50.28%</a:t>
+                        <a:t>50.96%</a:t>
                       </a:r>
                       <a:endParaRPr lang="zh-CN" altLang="en-US" dirty="0"/>
                     </a:p>
@@ -7144,7 +7143,7 @@
                     <a:p>
                       <a:r>
                         <a:rPr lang="en-US" altLang="zh-CN" dirty="0" smtClean="0"/>
-                        <a:t>52.35%</a:t>
+                        <a:t>48.34%</a:t>
                       </a:r>
                       <a:endParaRPr lang="zh-CN" altLang="en-US" dirty="0"/>
                     </a:p>
@@ -7163,6 +7162,10 @@
                     <a:bodyPr/>
                     <a:lstStyle/>
                     <a:p>
+                      <a:r>
+                        <a:rPr lang="en-US" altLang="zh-CN" dirty="0" smtClean="0"/>
+                        <a:t>Double Connection</a:t>
+                      </a:r>
                       <a:endParaRPr lang="zh-CN" altLang="en-US" dirty="0"/>
                     </a:p>
                   </a:txBody>
@@ -7173,7 +7176,7 @@
                     <a:bodyPr/>
                     <a:lstStyle/>
                     <a:p>
-                      <a:endParaRPr lang="zh-CN" altLang="en-US"/>
+                      <a:endParaRPr lang="zh-CN" altLang="en-US" dirty="0"/>
                     </a:p>
                   </a:txBody>
                   <a:tcPr/>
@@ -7240,469 +7243,7 @@
                     <a:bodyPr/>
                     <a:lstStyle/>
                     <a:p>
-                      <a:endParaRPr lang="zh-CN" altLang="en-US"/>
-                    </a:p>
-                  </a:txBody>
-                  <a:tcPr/>
-                </a:tc>
-                <a:tc>
-                  <a:txBody>
-                    <a:bodyPr/>
-                    <a:lstStyle/>
-                    <a:p>
                       <a:endParaRPr lang="zh-CN" altLang="en-US" dirty="0"/>
-                    </a:p>
-                  </a:txBody>
-                  <a:tcPr/>
-                </a:tc>
-                <a:tc>
-                  <a:txBody>
-                    <a:bodyPr/>
-                    <a:lstStyle/>
-                    <a:p>
-                      <a:endParaRPr lang="zh-CN" altLang="en-US"/>
-                    </a:p>
-                  </a:txBody>
-                  <a:tcPr/>
-                </a:tc>
-                <a:tc>
-                  <a:txBody>
-                    <a:bodyPr/>
-                    <a:lstStyle/>
-                    <a:p>
-                      <a:endParaRPr lang="zh-CN" altLang="en-US"/>
-                    </a:p>
-                  </a:txBody>
-                  <a:tcPr/>
-                </a:tc>
-                <a:tc>
-                  <a:txBody>
-                    <a:bodyPr/>
-                    <a:lstStyle/>
-                    <a:p>
-                      <a:endParaRPr lang="zh-CN" altLang="en-US" dirty="0"/>
-                    </a:p>
-                  </a:txBody>
-                  <a:tcPr/>
-                </a:tc>
-                <a:tc>
-                  <a:txBody>
-                    <a:bodyPr/>
-                    <a:lstStyle/>
-                    <a:p>
-                      <a:endParaRPr lang="zh-CN" altLang="en-US"/>
-                    </a:p>
-                  </a:txBody>
-                  <a:tcPr/>
-                </a:tc>
-                <a:tc>
-                  <a:txBody>
-                    <a:bodyPr/>
-                    <a:lstStyle/>
-                    <a:p>
-                      <a:endParaRPr lang="zh-CN" altLang="en-US"/>
-                    </a:p>
-                  </a:txBody>
-                  <a:tcPr/>
-                </a:tc>
-                <a:extLst>
-                  <a:ext uri="{0D108BD9-81ED-4DB2-BD59-A6C34878D82A}">
-                    <a16:rowId xmlns:a16="http://schemas.microsoft.com/office/drawing/2014/main" val="3291986330"/>
-                  </a:ext>
-                </a:extLst>
-              </a:tr>
-              <a:tr h="370840">
-                <a:tc>
-                  <a:txBody>
-                    <a:bodyPr/>
-                    <a:lstStyle/>
-                    <a:p>
-                      <a:endParaRPr lang="zh-CN" altLang="en-US"/>
-                    </a:p>
-                  </a:txBody>
-                  <a:tcPr/>
-                </a:tc>
-                <a:tc>
-                  <a:txBody>
-                    <a:bodyPr/>
-                    <a:lstStyle/>
-                    <a:p>
-                      <a:endParaRPr lang="zh-CN" altLang="en-US"/>
-                    </a:p>
-                  </a:txBody>
-                  <a:tcPr/>
-                </a:tc>
-                <a:tc>
-                  <a:txBody>
-                    <a:bodyPr/>
-                    <a:lstStyle/>
-                    <a:p>
-                      <a:endParaRPr lang="zh-CN" altLang="en-US"/>
-                    </a:p>
-                  </a:txBody>
-                  <a:tcPr/>
-                </a:tc>
-                <a:tc>
-                  <a:txBody>
-                    <a:bodyPr/>
-                    <a:lstStyle/>
-                    <a:p>
-                      <a:endParaRPr lang="zh-CN" altLang="en-US"/>
-                    </a:p>
-                  </a:txBody>
-                  <a:tcPr/>
-                </a:tc>
-                <a:tc>
-                  <a:txBody>
-                    <a:bodyPr/>
-                    <a:lstStyle/>
-                    <a:p>
-                      <a:endParaRPr lang="zh-CN" altLang="en-US"/>
-                    </a:p>
-                  </a:txBody>
-                  <a:tcPr/>
-                </a:tc>
-                <a:tc>
-                  <a:txBody>
-                    <a:bodyPr/>
-                    <a:lstStyle/>
-                    <a:p>
-                      <a:endParaRPr lang="zh-CN" altLang="en-US"/>
-                    </a:p>
-                  </a:txBody>
-                  <a:tcPr/>
-                </a:tc>
-                <a:tc>
-                  <a:txBody>
-                    <a:bodyPr/>
-                    <a:lstStyle/>
-                    <a:p>
-                      <a:endParaRPr lang="zh-CN" altLang="en-US"/>
-                    </a:p>
-                  </a:txBody>
-                  <a:tcPr/>
-                </a:tc>
-                <a:extLst>
-                  <a:ext uri="{0D108BD9-81ED-4DB2-BD59-A6C34878D82A}">
-                    <a16:rowId xmlns:a16="http://schemas.microsoft.com/office/drawing/2014/main" val="3887818812"/>
-                  </a:ext>
-                </a:extLst>
-              </a:tr>
-              <a:tr h="370840">
-                <a:tc>
-                  <a:txBody>
-                    <a:bodyPr/>
-                    <a:lstStyle/>
-                    <a:p>
-                      <a:endParaRPr lang="zh-CN" altLang="en-US"/>
-                    </a:p>
-                  </a:txBody>
-                  <a:tcPr/>
-                </a:tc>
-                <a:tc>
-                  <a:txBody>
-                    <a:bodyPr/>
-                    <a:lstStyle/>
-                    <a:p>
-                      <a:endParaRPr lang="zh-CN" altLang="en-US"/>
-                    </a:p>
-                  </a:txBody>
-                  <a:tcPr/>
-                </a:tc>
-                <a:tc>
-                  <a:txBody>
-                    <a:bodyPr/>
-                    <a:lstStyle/>
-                    <a:p>
-                      <a:endParaRPr lang="zh-CN" altLang="en-US"/>
-                    </a:p>
-                  </a:txBody>
-                  <a:tcPr/>
-                </a:tc>
-                <a:tc>
-                  <a:txBody>
-                    <a:bodyPr/>
-                    <a:lstStyle/>
-                    <a:p>
-                      <a:endParaRPr lang="zh-CN" altLang="en-US"/>
-                    </a:p>
-                  </a:txBody>
-                  <a:tcPr/>
-                </a:tc>
-                <a:tc>
-                  <a:txBody>
-                    <a:bodyPr/>
-                    <a:lstStyle/>
-                    <a:p>
-                      <a:endParaRPr lang="zh-CN" altLang="en-US"/>
-                    </a:p>
-                  </a:txBody>
-                  <a:tcPr/>
-                </a:tc>
-                <a:tc>
-                  <a:txBody>
-                    <a:bodyPr/>
-                    <a:lstStyle/>
-                    <a:p>
-                      <a:endParaRPr lang="zh-CN" altLang="en-US"/>
-                    </a:p>
-                  </a:txBody>
-                  <a:tcPr/>
-                </a:tc>
-                <a:tc>
-                  <a:txBody>
-                    <a:bodyPr/>
-                    <a:lstStyle/>
-                    <a:p>
-                      <a:endParaRPr lang="zh-CN" altLang="en-US"/>
-                    </a:p>
-                  </a:txBody>
-                  <a:tcPr/>
-                </a:tc>
-                <a:extLst>
-                  <a:ext uri="{0D108BD9-81ED-4DB2-BD59-A6C34878D82A}">
-                    <a16:rowId xmlns:a16="http://schemas.microsoft.com/office/drawing/2014/main" val="2421645906"/>
-                  </a:ext>
-                </a:extLst>
-              </a:tr>
-              <a:tr h="370840">
-                <a:tc>
-                  <a:txBody>
-                    <a:bodyPr/>
-                    <a:lstStyle/>
-                    <a:p>
-                      <a:endParaRPr lang="zh-CN" altLang="en-US"/>
-                    </a:p>
-                  </a:txBody>
-                  <a:tcPr/>
-                </a:tc>
-                <a:tc>
-                  <a:txBody>
-                    <a:bodyPr/>
-                    <a:lstStyle/>
-                    <a:p>
-                      <a:endParaRPr lang="zh-CN" altLang="en-US"/>
-                    </a:p>
-                  </a:txBody>
-                  <a:tcPr/>
-                </a:tc>
-                <a:tc>
-                  <a:txBody>
-                    <a:bodyPr/>
-                    <a:lstStyle/>
-                    <a:p>
-                      <a:endParaRPr lang="zh-CN" altLang="en-US"/>
-                    </a:p>
-                  </a:txBody>
-                  <a:tcPr/>
-                </a:tc>
-                <a:tc>
-                  <a:txBody>
-                    <a:bodyPr/>
-                    <a:lstStyle/>
-                    <a:p>
-                      <a:endParaRPr lang="zh-CN" altLang="en-US"/>
-                    </a:p>
-                  </a:txBody>
-                  <a:tcPr/>
-                </a:tc>
-                <a:tc>
-                  <a:txBody>
-                    <a:bodyPr/>
-                    <a:lstStyle/>
-                    <a:p>
-                      <a:endParaRPr lang="zh-CN" altLang="en-US"/>
-                    </a:p>
-                  </a:txBody>
-                  <a:tcPr/>
-                </a:tc>
-                <a:tc>
-                  <a:txBody>
-                    <a:bodyPr/>
-                    <a:lstStyle/>
-                    <a:p>
-                      <a:endParaRPr lang="zh-CN" altLang="en-US"/>
-                    </a:p>
-                  </a:txBody>
-                  <a:tcPr/>
-                </a:tc>
-                <a:tc>
-                  <a:txBody>
-                    <a:bodyPr/>
-                    <a:lstStyle/>
-                    <a:p>
-                      <a:endParaRPr lang="zh-CN" altLang="en-US"/>
-                    </a:p>
-                  </a:txBody>
-                  <a:tcPr/>
-                </a:tc>
-                <a:extLst>
-                  <a:ext uri="{0D108BD9-81ED-4DB2-BD59-A6C34878D82A}">
-                    <a16:rowId xmlns:a16="http://schemas.microsoft.com/office/drawing/2014/main" val="1765640550"/>
-                  </a:ext>
-                </a:extLst>
-              </a:tr>
-              <a:tr h="370840">
-                <a:tc>
-                  <a:txBody>
-                    <a:bodyPr/>
-                    <a:lstStyle/>
-                    <a:p>
-                      <a:endParaRPr lang="zh-CN" altLang="en-US"/>
-                    </a:p>
-                  </a:txBody>
-                  <a:tcPr/>
-                </a:tc>
-                <a:tc>
-                  <a:txBody>
-                    <a:bodyPr/>
-                    <a:lstStyle/>
-                    <a:p>
-                      <a:endParaRPr lang="zh-CN" altLang="en-US"/>
-                    </a:p>
-                  </a:txBody>
-                  <a:tcPr/>
-                </a:tc>
-                <a:tc>
-                  <a:txBody>
-                    <a:bodyPr/>
-                    <a:lstStyle/>
-                    <a:p>
-                      <a:endParaRPr lang="zh-CN" altLang="en-US"/>
-                    </a:p>
-                  </a:txBody>
-                  <a:tcPr/>
-                </a:tc>
-                <a:tc>
-                  <a:txBody>
-                    <a:bodyPr/>
-                    <a:lstStyle/>
-                    <a:p>
-                      <a:endParaRPr lang="zh-CN" altLang="en-US"/>
-                    </a:p>
-                  </a:txBody>
-                  <a:tcPr/>
-                </a:tc>
-                <a:tc>
-                  <a:txBody>
-                    <a:bodyPr/>
-                    <a:lstStyle/>
-                    <a:p>
-                      <a:endParaRPr lang="zh-CN" altLang="en-US"/>
-                    </a:p>
-                  </a:txBody>
-                  <a:tcPr/>
-                </a:tc>
-                <a:tc>
-                  <a:txBody>
-                    <a:bodyPr/>
-                    <a:lstStyle/>
-                    <a:p>
-                      <a:endParaRPr lang="zh-CN" altLang="en-US"/>
-                    </a:p>
-                  </a:txBody>
-                  <a:tcPr/>
-                </a:tc>
-                <a:tc>
-                  <a:txBody>
-                    <a:bodyPr/>
-                    <a:lstStyle/>
-                    <a:p>
-                      <a:endParaRPr lang="zh-CN" altLang="en-US"/>
-                    </a:p>
-                  </a:txBody>
-                  <a:tcPr/>
-                </a:tc>
-                <a:extLst>
-                  <a:ext uri="{0D108BD9-81ED-4DB2-BD59-A6C34878D82A}">
-                    <a16:rowId xmlns:a16="http://schemas.microsoft.com/office/drawing/2014/main" val="4224309345"/>
-                  </a:ext>
-                </a:extLst>
-              </a:tr>
-              <a:tr h="370840">
-                <a:tc>
-                  <a:txBody>
-                    <a:bodyPr/>
-                    <a:lstStyle/>
-                    <a:p>
-                      <a:endParaRPr lang="zh-CN" altLang="en-US"/>
-                    </a:p>
-                  </a:txBody>
-                  <a:tcPr/>
-                </a:tc>
-                <a:tc>
-                  <a:txBody>
-                    <a:bodyPr/>
-                    <a:lstStyle/>
-                    <a:p>
-                      <a:endParaRPr lang="zh-CN" altLang="en-US"/>
-                    </a:p>
-                  </a:txBody>
-                  <a:tcPr/>
-                </a:tc>
-                <a:tc>
-                  <a:txBody>
-                    <a:bodyPr/>
-                    <a:lstStyle/>
-                    <a:p>
-                      <a:endParaRPr lang="zh-CN" altLang="en-US"/>
-                    </a:p>
-                  </a:txBody>
-                  <a:tcPr/>
-                </a:tc>
-                <a:tc>
-                  <a:txBody>
-                    <a:bodyPr/>
-                    <a:lstStyle/>
-                    <a:p>
-                      <a:endParaRPr lang="zh-CN" altLang="en-US"/>
-                    </a:p>
-                  </a:txBody>
-                  <a:tcPr/>
-                </a:tc>
-                <a:tc>
-                  <a:txBody>
-                    <a:bodyPr/>
-                    <a:lstStyle/>
-                    <a:p>
-                      <a:endParaRPr lang="zh-CN" altLang="en-US"/>
-                    </a:p>
-                  </a:txBody>
-                  <a:tcPr/>
-                </a:tc>
-                <a:tc>
-                  <a:txBody>
-                    <a:bodyPr/>
-                    <a:lstStyle/>
-                    <a:p>
-                      <a:endParaRPr lang="zh-CN" altLang="en-US"/>
-                    </a:p>
-                  </a:txBody>
-                  <a:tcPr/>
-                </a:tc>
-                <a:tc>
-                  <a:txBody>
-                    <a:bodyPr/>
-                    <a:lstStyle/>
-                    <a:p>
-                      <a:endParaRPr lang="zh-CN" altLang="en-US"/>
-                    </a:p>
-                  </a:txBody>
-                  <a:tcPr/>
-                </a:tc>
-                <a:extLst>
-                  <a:ext uri="{0D108BD9-81ED-4DB2-BD59-A6C34878D82A}">
-                    <a16:rowId xmlns:a16="http://schemas.microsoft.com/office/drawing/2014/main" val="4236481495"/>
-                  </a:ext>
-                </a:extLst>
-              </a:tr>
-              <a:tr h="370840">
-                <a:tc>
-                  <a:txBody>
-                    <a:bodyPr/>
-                    <a:lstStyle/>
-                    <a:p>
-                      <a:endParaRPr lang="zh-CN" altLang="en-US"/>
                     </a:p>
                   </a:txBody>
                   <a:tcPr/>
@@ -7777,6 +7318,30 @@
           </a:graphicData>
         </a:graphic>
       </p:graphicFrame>
+      <p:pic>
+        <p:nvPicPr>
+          <p:cNvPr id="4" name="内容占位符 4"/>
+          <p:cNvPicPr>
+            <a:picLocks noChangeAspect="1"/>
+          </p:cNvPicPr>
+          <p:nvPr/>
+        </p:nvPicPr>
+        <p:blipFill>
+          <a:blip r:embed="rId2"/>
+          <a:stretch>
+            <a:fillRect/>
+          </a:stretch>
+        </p:blipFill>
+        <p:spPr>
+          <a:xfrm>
+            <a:off x="6092687" y="3758498"/>
+            <a:ext cx="5035561" cy="2420407"/>
+          </a:xfrm>
+          <a:prstGeom prst="rect">
+            <a:avLst/>
+          </a:prstGeom>
+        </p:spPr>
+      </p:pic>
     </p:spTree>
     <p:extLst>
       <p:ext uri="{BB962C8B-B14F-4D97-AF65-F5344CB8AC3E}">
